--- a/Save the air with the Ardurino-Navigation-Service.pptx
+++ b/Save the air with the Ardurino-Navigation-Service.pptx
@@ -3695,7 +3695,6 @@
               <a:rPr lang="de-DE" dirty="0"/>
               <a:t>B</a:t>
             </a:r>
-            <a:endParaRPr lang="de-DE" dirty="0"/>
           </a:p>
         </p:txBody>
       </p:sp>
@@ -3924,7 +3923,6 @@
               <a:rPr lang="de-DE" dirty="0"/>
               <a:t>B</a:t>
             </a:r>
-            <a:endParaRPr lang="de-DE" dirty="0"/>
           </a:p>
         </p:txBody>
       </p:sp>
@@ -4155,11 +4153,7 @@
           <a:p>
             <a:r>
               <a:rPr lang="de-DE" dirty="0" smtClean="0"/>
-              <a:t>P</a:t>
-            </a:r>
-            <a:r>
-              <a:rPr lang="de-DE" dirty="0" smtClean="0"/>
-              <a:t>ollution </a:t>
+              <a:t>Pollution </a:t>
             </a:r>
             <a:r>
               <a:rPr lang="de-DE" dirty="0" err="1" smtClean="0"/>
@@ -4326,6 +4320,18 @@
             <a:r>
               <a:rPr lang="de-DE" dirty="0" err="1" smtClean="0"/>
               <a:t>information</a:t>
+            </a:r>
+            <a:r>
+              <a:rPr lang="de-DE" dirty="0" smtClean="0"/>
+              <a:t> (</a:t>
+            </a:r>
+            <a:r>
+              <a:rPr lang="de-DE" dirty="0" err="1" smtClean="0"/>
+              <a:t>LondonAir</a:t>
+            </a:r>
+            <a:r>
+              <a:rPr lang="de-DE" smtClean="0"/>
+              <a:t> Data)</a:t>
             </a:r>
             <a:endParaRPr lang="de-DE" dirty="0" smtClean="0"/>
           </a:p>
